--- a/sas_dataset_jsonの使い方_[日本ユーザ向け].pptx
+++ b/sas_dataset_jsonの使い方_[日本ユーザ向け].pptx
@@ -22,8 +22,9 @@
     <p:sldId id="271" r:id="rId16"/>
     <p:sldId id="272" r:id="rId17"/>
     <p:sldId id="273" r:id="rId18"/>
-    <p:sldId id="274" r:id="rId19"/>
-    <p:sldId id="275" r:id="rId20"/>
+    <p:sldId id="276" r:id="rId19"/>
+    <p:sldId id="274" r:id="rId20"/>
+    <p:sldId id="275" r:id="rId21"/>
   </p:sldIdLst>
   <p:sldSz cx="12192000" cy="6858000"/>
   <p:notesSz cx="6858000" cy="9144000"/>
@@ -122,6 +123,11 @@
       </a:defRPr>
     </a:lvl9pPr>
   </p:defaultTextStyle>
+  <p:extLst>
+    <p:ext uri="{EFAFB233-063F-42B5-8137-9DF3F51BA10A}">
+      <p15:sldGuideLst xmlns:p15="http://schemas.microsoft.com/office/powerpoint/2012/main"/>
+    </p:ext>
+  </p:extLst>
 </p:presentation>
 </file>
 
@@ -280,7 +286,7 @@
           <a:p>
             <a:fld id="{FD38DDF3-5942-44BB-B2D8-B8751008287C}" type="datetimeFigureOut">
               <a:rPr kumimoji="1" lang="ja-JP" altLang="en-US" smtClean="0"/>
-              <a:t>2025/5/25</a:t>
+              <a:t>2025/6/23</a:t>
             </a:fld>
             <a:endParaRPr kumimoji="1" lang="ja-JP" altLang="en-US"/>
           </a:p>
@@ -510,7 +516,7 @@
           <a:p>
             <a:fld id="{FD38DDF3-5942-44BB-B2D8-B8751008287C}" type="datetimeFigureOut">
               <a:rPr kumimoji="1" lang="ja-JP" altLang="en-US" smtClean="0"/>
-              <a:t>2025/5/25</a:t>
+              <a:t>2025/6/23</a:t>
             </a:fld>
             <a:endParaRPr kumimoji="1" lang="ja-JP" altLang="en-US"/>
           </a:p>
@@ -750,7 +756,7 @@
           <a:p>
             <a:fld id="{FD38DDF3-5942-44BB-B2D8-B8751008287C}" type="datetimeFigureOut">
               <a:rPr kumimoji="1" lang="ja-JP" altLang="en-US" smtClean="0"/>
-              <a:t>2025/5/25</a:t>
+              <a:t>2025/6/23</a:t>
             </a:fld>
             <a:endParaRPr kumimoji="1" lang="ja-JP" altLang="en-US"/>
           </a:p>
@@ -980,7 +986,7 @@
           <a:p>
             <a:fld id="{FD38DDF3-5942-44BB-B2D8-B8751008287C}" type="datetimeFigureOut">
               <a:rPr kumimoji="1" lang="ja-JP" altLang="en-US" smtClean="0"/>
-              <a:t>2025/5/25</a:t>
+              <a:t>2025/6/23</a:t>
             </a:fld>
             <a:endParaRPr kumimoji="1" lang="ja-JP" altLang="en-US"/>
           </a:p>
@@ -1255,7 +1261,7 @@
           <a:p>
             <a:fld id="{FD38DDF3-5942-44BB-B2D8-B8751008287C}" type="datetimeFigureOut">
               <a:rPr kumimoji="1" lang="ja-JP" altLang="en-US" smtClean="0"/>
-              <a:t>2025/5/25</a:t>
+              <a:t>2025/6/23</a:t>
             </a:fld>
             <a:endParaRPr kumimoji="1" lang="ja-JP" altLang="en-US"/>
           </a:p>
@@ -1584,7 +1590,7 @@
           <a:p>
             <a:fld id="{FD38DDF3-5942-44BB-B2D8-B8751008287C}" type="datetimeFigureOut">
               <a:rPr kumimoji="1" lang="ja-JP" altLang="en-US" smtClean="0"/>
-              <a:t>2025/5/25</a:t>
+              <a:t>2025/6/23</a:t>
             </a:fld>
             <a:endParaRPr kumimoji="1" lang="ja-JP" altLang="en-US"/>
           </a:p>
@@ -2060,7 +2066,7 @@
           <a:p>
             <a:fld id="{FD38DDF3-5942-44BB-B2D8-B8751008287C}" type="datetimeFigureOut">
               <a:rPr kumimoji="1" lang="ja-JP" altLang="en-US" smtClean="0"/>
-              <a:t>2025/5/25</a:t>
+              <a:t>2025/6/23</a:t>
             </a:fld>
             <a:endParaRPr kumimoji="1" lang="ja-JP" altLang="en-US"/>
           </a:p>
@@ -2201,7 +2207,7 @@
           <a:p>
             <a:fld id="{FD38DDF3-5942-44BB-B2D8-B8751008287C}" type="datetimeFigureOut">
               <a:rPr kumimoji="1" lang="ja-JP" altLang="en-US" smtClean="0"/>
-              <a:t>2025/5/25</a:t>
+              <a:t>2025/6/23</a:t>
             </a:fld>
             <a:endParaRPr kumimoji="1" lang="ja-JP" altLang="en-US"/>
           </a:p>
@@ -2314,7 +2320,7 @@
           <a:p>
             <a:fld id="{FD38DDF3-5942-44BB-B2D8-B8751008287C}" type="datetimeFigureOut">
               <a:rPr kumimoji="1" lang="ja-JP" altLang="en-US" smtClean="0"/>
-              <a:t>2025/5/25</a:t>
+              <a:t>2025/6/23</a:t>
             </a:fld>
             <a:endParaRPr kumimoji="1" lang="ja-JP" altLang="en-US"/>
           </a:p>
@@ -2657,7 +2663,7 @@
           <a:p>
             <a:fld id="{FD38DDF3-5942-44BB-B2D8-B8751008287C}" type="datetimeFigureOut">
               <a:rPr kumimoji="1" lang="ja-JP" altLang="en-US" smtClean="0"/>
-              <a:t>2025/5/25</a:t>
+              <a:t>2025/6/23</a:t>
             </a:fld>
             <a:endParaRPr kumimoji="1" lang="ja-JP" altLang="en-US"/>
           </a:p>
@@ -2945,7 +2951,7 @@
           <a:p>
             <a:fld id="{FD38DDF3-5942-44BB-B2D8-B8751008287C}" type="datetimeFigureOut">
               <a:rPr kumimoji="1" lang="ja-JP" altLang="en-US" smtClean="0"/>
-              <a:t>2025/5/25</a:t>
+              <a:t>2025/6/23</a:t>
             </a:fld>
             <a:endParaRPr kumimoji="1" lang="ja-JP" altLang="en-US"/>
           </a:p>
@@ -3218,7 +3224,7 @@
           <a:p>
             <a:fld id="{FD38DDF3-5942-44BB-B2D8-B8751008287C}" type="datetimeFigureOut">
               <a:rPr kumimoji="1" lang="ja-JP" altLang="en-US" smtClean="0"/>
-              <a:t>2025/5/25</a:t>
+              <a:t>2025/6/23</a:t>
             </a:fld>
             <a:endParaRPr kumimoji="1" lang="ja-JP" altLang="en-US"/>
           </a:p>
@@ -3704,22 +3710,20 @@
         <p:spPr>
           <a:xfrm>
             <a:off x="1581150" y="4083730"/>
-            <a:ext cx="9144000" cy="1900691"/>
+            <a:ext cx="9144000" cy="2387600"/>
           </a:xfrm>
         </p:spPr>
         <p:txBody>
           <a:bodyPr>
-            <a:normAutofit fontScale="92500" lnSpcReduction="20000"/>
+            <a:normAutofit fontScale="92500" lnSpcReduction="10000"/>
           </a:bodyPr>
           <a:lstStyle/>
           <a:p>
-            <a:endParaRPr kumimoji="1" lang="en-US" altLang="ja-JP" dirty="0"/>
-          </a:p>
-          <a:p>
-            <a:r>
-              <a:rPr lang="en-US" altLang="ja-JP" dirty="0"/>
-              <a:t>2025-05-25</a:t>
-            </a:r>
+            <a:r>
+              <a:rPr kumimoji="1" lang="en-US" altLang="ja-JP" dirty="0"/>
+              <a:t>2025-06-23</a:t>
+            </a:r>
+            <a:endParaRPr lang="en-US" altLang="ja-JP" dirty="0"/>
           </a:p>
           <a:p>
             <a:r>
@@ -3731,6 +3735,18 @@
             <a:r>
               <a:rPr kumimoji="1" lang="en-US" altLang="ja-JP" dirty="0"/>
               <a:t>m_json1_1_to_sas.sas</a:t>
+            </a:r>
+          </a:p>
+          <a:p>
+            <a:r>
+              <a:rPr kumimoji="1" lang="en-US" altLang="ja-JP" dirty="0"/>
+              <a:t>m_sas_to_ndjson1_1</a:t>
+            </a:r>
+          </a:p>
+          <a:p>
+            <a:r>
+              <a:rPr kumimoji="1" lang="en-US" altLang="ja-JP" dirty="0"/>
+              <a:t>m_ndjson1_1_to_sas</a:t>
             </a:r>
           </a:p>
           <a:p>
@@ -7927,12 +7943,489 @@
           <a:chExt cx="0" cy="0"/>
         </a:xfrm>
       </p:grpSpPr>
+      <p:sp>
+        <p:nvSpPr>
+          <p:cNvPr id="6" name="テキスト ボックス 5">
+            <a:extLst>
+              <a:ext uri="{FF2B5EF4-FFF2-40B4-BE49-F238E27FC236}">
+                <a16:creationId xmlns:a16="http://schemas.microsoft.com/office/drawing/2014/main" id="{506A80D4-EFCD-FE4F-8B1C-B957B037642B}"/>
+              </a:ext>
+            </a:extLst>
+          </p:cNvPr>
+          <p:cNvSpPr txBox="1"/>
+          <p:nvPr/>
+        </p:nvSpPr>
+        <p:spPr>
+          <a:xfrm>
+            <a:off x="557213" y="942006"/>
+            <a:ext cx="6094638" cy="369332"/>
+          </a:xfrm>
+          <a:prstGeom prst="rect">
+            <a:avLst/>
+          </a:prstGeom>
+          <a:noFill/>
+        </p:spPr>
+        <p:txBody>
+          <a:bodyPr wrap="square">
+            <a:spAutoFit/>
+          </a:bodyPr>
+          <a:lstStyle/>
+          <a:p>
+            <a:r>
+              <a:rPr lang="en-US" altLang="ja-JP" dirty="0"/>
+              <a:t>%m_sas_to_ndjson1_1.sas</a:t>
+            </a:r>
+            <a:endParaRPr lang="ja-JP" altLang="en-US" dirty="0"/>
+          </a:p>
+        </p:txBody>
+      </p:sp>
+      <p:sp>
+        <p:nvSpPr>
+          <p:cNvPr id="8" name="テキスト ボックス 7">
+            <a:extLst>
+              <a:ext uri="{FF2B5EF4-FFF2-40B4-BE49-F238E27FC236}">
+                <a16:creationId xmlns:a16="http://schemas.microsoft.com/office/drawing/2014/main" id="{769D8C89-DEA3-5E70-A262-CD5AFAD07D0E}"/>
+              </a:ext>
+            </a:extLst>
+          </p:cNvPr>
+          <p:cNvSpPr txBox="1"/>
+          <p:nvPr/>
+        </p:nvSpPr>
+        <p:spPr>
+          <a:xfrm>
+            <a:off x="442914" y="2056431"/>
+            <a:ext cx="7517266" cy="369332"/>
+          </a:xfrm>
+          <a:prstGeom prst="rect">
+            <a:avLst/>
+          </a:prstGeom>
+          <a:noFill/>
+        </p:spPr>
+        <p:txBody>
+          <a:bodyPr wrap="square">
+            <a:spAutoFit/>
+          </a:bodyPr>
+          <a:lstStyle/>
+          <a:p>
+            <a:r>
+              <a:rPr lang="ja-JP" altLang="en-US" b="1" dirty="0"/>
+              <a:t>④　</a:t>
+            </a:r>
+            <a:r>
+              <a:rPr lang="en-US" altLang="ja-JP" b="1" dirty="0" err="1"/>
+              <a:t>ndjson</a:t>
+            </a:r>
+            <a:r>
+              <a:rPr lang="ja-JP" altLang="en-US" b="1" dirty="0"/>
+              <a:t>を</a:t>
+            </a:r>
+            <a:r>
+              <a:rPr lang="en-US" altLang="ja-JP" b="1" dirty="0"/>
+              <a:t>SAS</a:t>
+            </a:r>
+            <a:r>
+              <a:rPr lang="ja-JP" altLang="en-US" b="1" dirty="0"/>
+              <a:t>データセットに変換する</a:t>
+            </a:r>
+            <a:endParaRPr lang="en-US" altLang="ja-JP" b="1" dirty="0"/>
+          </a:p>
+        </p:txBody>
+      </p:sp>
+      <p:sp>
+        <p:nvSpPr>
+          <p:cNvPr id="10" name="テキスト ボックス 9">
+            <a:extLst>
+              <a:ext uri="{FF2B5EF4-FFF2-40B4-BE49-F238E27FC236}">
+                <a16:creationId xmlns:a16="http://schemas.microsoft.com/office/drawing/2014/main" id="{EA99EE9D-FA72-B719-7DDE-5DAB10600E9D}"/>
+              </a:ext>
+            </a:extLst>
+          </p:cNvPr>
+          <p:cNvSpPr txBox="1"/>
+          <p:nvPr/>
+        </p:nvSpPr>
+        <p:spPr>
+          <a:xfrm>
+            <a:off x="647021" y="2515977"/>
+            <a:ext cx="6094638" cy="369332"/>
+          </a:xfrm>
+          <a:prstGeom prst="rect">
+            <a:avLst/>
+          </a:prstGeom>
+          <a:noFill/>
+        </p:spPr>
+        <p:txBody>
+          <a:bodyPr wrap="square">
+            <a:spAutoFit/>
+          </a:bodyPr>
+          <a:lstStyle/>
+          <a:p>
+            <a:r>
+              <a:rPr lang="en-US" altLang="ja-JP" dirty="0"/>
+              <a:t>%</a:t>
+            </a:r>
+            <a:r>
+              <a:rPr lang="ja-JP" altLang="en-US" dirty="0"/>
+              <a:t>m_</a:t>
+            </a:r>
+            <a:r>
+              <a:rPr lang="en-US" altLang="ja-JP" dirty="0" err="1"/>
+              <a:t>nd</a:t>
+            </a:r>
+            <a:r>
+              <a:rPr lang="ja-JP" altLang="en-US" dirty="0"/>
+              <a:t>json1_1_to_sas</a:t>
+            </a:r>
+            <a:endParaRPr lang="en-US" altLang="ja-JP" dirty="0"/>
+          </a:p>
+        </p:txBody>
+      </p:sp>
+      <p:sp>
+        <p:nvSpPr>
+          <p:cNvPr id="11" name="テキスト ボックス 10">
+            <a:extLst>
+              <a:ext uri="{FF2B5EF4-FFF2-40B4-BE49-F238E27FC236}">
+                <a16:creationId xmlns:a16="http://schemas.microsoft.com/office/drawing/2014/main" id="{83122267-A94B-BA6D-0EE8-AB62A7400CE9}"/>
+              </a:ext>
+            </a:extLst>
+          </p:cNvPr>
+          <p:cNvSpPr txBox="1"/>
+          <p:nvPr/>
+        </p:nvSpPr>
+        <p:spPr>
+          <a:xfrm>
+            <a:off x="344942" y="359995"/>
+            <a:ext cx="7517266" cy="369332"/>
+          </a:xfrm>
+          <a:prstGeom prst="rect">
+            <a:avLst/>
+          </a:prstGeom>
+          <a:noFill/>
+        </p:spPr>
+        <p:txBody>
+          <a:bodyPr wrap="square">
+            <a:spAutoFit/>
+          </a:bodyPr>
+          <a:lstStyle/>
+          <a:p>
+            <a:r>
+              <a:rPr lang="ja-JP" altLang="en-US" b="1" dirty="0"/>
+              <a:t>③　</a:t>
+            </a:r>
+            <a:r>
+              <a:rPr lang="en-US" altLang="ja-JP" b="1" dirty="0"/>
+              <a:t>SAS</a:t>
+            </a:r>
+            <a:r>
+              <a:rPr lang="ja-JP" altLang="en-US" b="1" dirty="0"/>
+              <a:t>データセットを</a:t>
+            </a:r>
+            <a:r>
+              <a:rPr lang="en-US" altLang="ja-JP" b="1" dirty="0" err="1"/>
+              <a:t>ndjson</a:t>
+            </a:r>
+            <a:r>
+              <a:rPr lang="ja-JP" altLang="en-US" b="1" dirty="0"/>
+              <a:t>に変換する</a:t>
+            </a:r>
+            <a:endParaRPr lang="en-US" altLang="ja-JP" b="1" dirty="0"/>
+          </a:p>
+        </p:txBody>
+      </p:sp>
+      <p:sp>
+        <p:nvSpPr>
+          <p:cNvPr id="13" name="テキスト ボックス 12">
+            <a:extLst>
+              <a:ext uri="{FF2B5EF4-FFF2-40B4-BE49-F238E27FC236}">
+                <a16:creationId xmlns:a16="http://schemas.microsoft.com/office/drawing/2014/main" id="{5C4F876B-6D8D-B178-0F69-4DA6F9F738D1}"/>
+              </a:ext>
+            </a:extLst>
+          </p:cNvPr>
+          <p:cNvSpPr txBox="1"/>
+          <p:nvPr/>
+        </p:nvSpPr>
+        <p:spPr>
+          <a:xfrm>
+            <a:off x="557212" y="1410100"/>
+            <a:ext cx="8864373" cy="369332"/>
+          </a:xfrm>
+          <a:prstGeom prst="rect">
+            <a:avLst/>
+          </a:prstGeom>
+          <a:noFill/>
+        </p:spPr>
+        <p:txBody>
+          <a:bodyPr wrap="square">
+            <a:spAutoFit/>
+          </a:bodyPr>
+          <a:lstStyle/>
+          <a:p>
+            <a:r>
+              <a:rPr lang="en-US" altLang="ja-JP" dirty="0">
+                <a:solidFill>
+                  <a:srgbClr val="FF0000"/>
+                </a:solidFill>
+              </a:rPr>
+              <a:t>※pretty=</a:t>
+            </a:r>
+            <a:r>
+              <a:rPr lang="ja-JP" altLang="en-US" dirty="0">
+                <a:solidFill>
+                  <a:srgbClr val="FF0000"/>
+                </a:solidFill>
+              </a:rPr>
+              <a:t>オプションがない以外は</a:t>
+            </a:r>
+            <a:r>
+              <a:rPr lang="en-US" altLang="ja-JP" dirty="0">
+                <a:solidFill>
+                  <a:srgbClr val="FF0000"/>
+                </a:solidFill>
+              </a:rPr>
+              <a:t>%m_sas_to_json1_1</a:t>
+            </a:r>
+            <a:r>
+              <a:rPr lang="ja-JP" altLang="en-US" dirty="0">
+                <a:solidFill>
+                  <a:srgbClr val="FF0000"/>
+                </a:solidFill>
+              </a:rPr>
+              <a:t>と同じ使い方</a:t>
+            </a:r>
+          </a:p>
+        </p:txBody>
+      </p:sp>
+      <p:sp>
+        <p:nvSpPr>
+          <p:cNvPr id="14" name="テキスト ボックス 13">
+            <a:extLst>
+              <a:ext uri="{FF2B5EF4-FFF2-40B4-BE49-F238E27FC236}">
+                <a16:creationId xmlns:a16="http://schemas.microsoft.com/office/drawing/2014/main" id="{FBFB5C5D-D932-4D5E-41B1-E2E52C5DFB69}"/>
+              </a:ext>
+            </a:extLst>
+          </p:cNvPr>
+          <p:cNvSpPr txBox="1"/>
+          <p:nvPr/>
+        </p:nvSpPr>
+        <p:spPr>
+          <a:xfrm>
+            <a:off x="647021" y="2921870"/>
+            <a:ext cx="8864373" cy="369332"/>
+          </a:xfrm>
+          <a:prstGeom prst="rect">
+            <a:avLst/>
+          </a:prstGeom>
+          <a:noFill/>
+        </p:spPr>
+        <p:txBody>
+          <a:bodyPr wrap="square">
+            <a:spAutoFit/>
+          </a:bodyPr>
+          <a:lstStyle/>
+          <a:p>
+            <a:r>
+              <a:rPr lang="en-US" altLang="ja-JP" dirty="0">
+                <a:solidFill>
+                  <a:srgbClr val="FF0000"/>
+                </a:solidFill>
+              </a:rPr>
+              <a:t>※%</a:t>
+            </a:r>
+            <a:r>
+              <a:rPr lang="ja-JP" altLang="en-US" dirty="0">
+                <a:solidFill>
+                  <a:srgbClr val="FF0000"/>
+                </a:solidFill>
+              </a:rPr>
+              <a:t>m_</a:t>
+            </a:r>
+            <a:r>
+              <a:rPr lang="en-US" altLang="ja-JP" dirty="0">
+                <a:solidFill>
+                  <a:srgbClr val="FF0000"/>
+                </a:solidFill>
+              </a:rPr>
+              <a:t>j</a:t>
+            </a:r>
+            <a:r>
+              <a:rPr lang="ja-JP" altLang="en-US" dirty="0">
+                <a:solidFill>
+                  <a:srgbClr val="FF0000"/>
+                </a:solidFill>
+              </a:rPr>
+              <a:t>son1_1_to_sasと同じ使い方</a:t>
+            </a:r>
+          </a:p>
+        </p:txBody>
+      </p:sp>
+      <p:sp>
+        <p:nvSpPr>
+          <p:cNvPr id="16" name="テキスト ボックス 15">
+            <a:extLst>
+              <a:ext uri="{FF2B5EF4-FFF2-40B4-BE49-F238E27FC236}">
+                <a16:creationId xmlns:a16="http://schemas.microsoft.com/office/drawing/2014/main" id="{A2B0B973-0C45-3174-3763-A052897D6BD5}"/>
+              </a:ext>
+            </a:extLst>
+          </p:cNvPr>
+          <p:cNvSpPr txBox="1"/>
+          <p:nvPr/>
+        </p:nvSpPr>
+        <p:spPr>
+          <a:xfrm>
+            <a:off x="344942" y="3752867"/>
+            <a:ext cx="9484858" cy="923330"/>
+          </a:xfrm>
+          <a:prstGeom prst="rect">
+            <a:avLst/>
+          </a:prstGeom>
+          <a:noFill/>
+        </p:spPr>
+        <p:txBody>
+          <a:bodyPr wrap="square">
+            <a:spAutoFit/>
+          </a:bodyPr>
+          <a:lstStyle/>
+          <a:p>
+            <a:r>
+              <a:rPr lang="en-US" altLang="ja-JP" sz="1800" dirty="0">
+                <a:solidFill>
+                  <a:srgbClr val="000000"/>
+                </a:solidFill>
+                <a:latin typeface="Courier New" panose="02070309020205020404" pitchFamily="49" charset="0"/>
+              </a:rPr>
+              <a:t> %</a:t>
+            </a:r>
+            <a:r>
+              <a:rPr lang="en-US" altLang="ja-JP" sz="1800" b="1" i="1" dirty="0">
+                <a:solidFill>
+                  <a:srgbClr val="000000"/>
+                </a:solidFill>
+                <a:latin typeface="Courier New" panose="02070309020205020404" pitchFamily="49" charset="0"/>
+              </a:rPr>
+              <a:t>m_sas_to_ndjson1_1</a:t>
+            </a:r>
+            <a:r>
+              <a:rPr lang="en-US" altLang="ja-JP" sz="1800" b="0" i="0" dirty="0">
+                <a:solidFill>
+                  <a:srgbClr val="000000"/>
+                </a:solidFill>
+                <a:latin typeface="Courier New" panose="02070309020205020404" pitchFamily="49" charset="0"/>
+              </a:rPr>
+              <a:t>(</a:t>
+            </a:r>
+            <a:r>
+              <a:rPr lang="en-US" altLang="ja-JP" sz="1800" b="0" i="0" dirty="0" err="1">
+                <a:solidFill>
+                  <a:srgbClr val="000000"/>
+                </a:solidFill>
+                <a:latin typeface="Courier New" panose="02070309020205020404" pitchFamily="49" charset="0"/>
+              </a:rPr>
+              <a:t>outpath</a:t>
+            </a:r>
+            <a:r>
+              <a:rPr lang="en-US" altLang="ja-JP" sz="1800" b="0" i="0" dirty="0">
+                <a:solidFill>
+                  <a:srgbClr val="000000"/>
+                </a:solidFill>
+                <a:latin typeface="Courier New" panose="02070309020205020404" pitchFamily="49" charset="0"/>
+              </a:rPr>
+              <a:t>=XXXXX,</a:t>
+            </a:r>
+          </a:p>
+          <a:p>
+            <a:r>
+              <a:rPr lang="en-US" altLang="ja-JP" sz="1800" b="0" i="0" dirty="0">
+                <a:solidFill>
+                  <a:srgbClr val="000000"/>
+                </a:solidFill>
+                <a:latin typeface="Courier New" panose="02070309020205020404" pitchFamily="49" charset="0"/>
+              </a:rPr>
+              <a:t>                 library = </a:t>
+            </a:r>
+            <a:r>
+              <a:rPr lang="en-US" altLang="ja-JP" sz="1800" b="0" i="0" dirty="0" err="1">
+                <a:solidFill>
+                  <a:srgbClr val="000000"/>
+                </a:solidFill>
+                <a:latin typeface="Courier New" panose="02070309020205020404" pitchFamily="49" charset="0"/>
+              </a:rPr>
+              <a:t>sashelp</a:t>
+            </a:r>
+            <a:r>
+              <a:rPr lang="en-US" altLang="ja-JP" sz="1800" b="0" i="0" dirty="0">
+                <a:solidFill>
+                  <a:srgbClr val="000000"/>
+                </a:solidFill>
+                <a:latin typeface="Courier New" panose="02070309020205020404" pitchFamily="49" charset="0"/>
+              </a:rPr>
+              <a:t>,</a:t>
+            </a:r>
+          </a:p>
+          <a:p>
+            <a:r>
+              <a:rPr lang="en-US" altLang="ja-JP" sz="1800" b="0" i="0" dirty="0">
+                <a:solidFill>
+                  <a:srgbClr val="000000"/>
+                </a:solidFill>
+                <a:latin typeface="Courier New" panose="02070309020205020404" pitchFamily="49" charset="0"/>
+              </a:rPr>
+              <a:t>                 dataset = class);</a:t>
+            </a:r>
+            <a:endParaRPr lang="ja-JP" altLang="en-US" dirty="0"/>
+          </a:p>
+        </p:txBody>
+      </p:sp>
+      <p:sp>
+        <p:nvSpPr>
+          <p:cNvPr id="21" name="矢印: 右 20">
+            <a:extLst>
+              <a:ext uri="{FF2B5EF4-FFF2-40B4-BE49-F238E27FC236}">
+                <a16:creationId xmlns:a16="http://schemas.microsoft.com/office/drawing/2014/main" id="{5EC18B36-214E-A720-90AE-A61DB0049891}"/>
+              </a:ext>
+            </a:extLst>
+          </p:cNvPr>
+          <p:cNvSpPr/>
+          <p:nvPr/>
+        </p:nvSpPr>
+        <p:spPr>
+          <a:xfrm rot="19267999">
+            <a:off x="4912954" y="4396073"/>
+            <a:ext cx="1448460" cy="778132"/>
+          </a:xfrm>
+          <a:prstGeom prst="rightArrow">
+            <a:avLst/>
+          </a:prstGeom>
+        </p:spPr>
+        <p:style>
+          <a:lnRef idx="2">
+            <a:schemeClr val="accent1">
+              <a:shade val="15000"/>
+            </a:schemeClr>
+          </a:lnRef>
+          <a:fillRef idx="1">
+            <a:schemeClr val="accent1"/>
+          </a:fillRef>
+          <a:effectRef idx="0">
+            <a:schemeClr val="accent1"/>
+          </a:effectRef>
+          <a:fontRef idx="minor">
+            <a:schemeClr val="lt1"/>
+          </a:fontRef>
+        </p:style>
+        <p:txBody>
+          <a:bodyPr rtlCol="0" anchor="ctr"/>
+          <a:lstStyle/>
+          <a:p>
+            <a:pPr algn="ctr"/>
+            <a:endParaRPr kumimoji="1" lang="ja-JP" altLang="en-US"/>
+          </a:p>
+        </p:txBody>
+      </p:sp>
       <p:pic>
         <p:nvPicPr>
-          <p:cNvPr id="4" name="図 3">
-            <a:extLst>
-              <a:ext uri="{FF2B5EF4-FFF2-40B4-BE49-F238E27FC236}">
-                <a16:creationId xmlns:a16="http://schemas.microsoft.com/office/drawing/2014/main" id="{084552D3-A725-8207-8E54-DB11744F8AB8}"/>
+          <p:cNvPr id="23" name="図 22">
+            <a:extLst>
+              <a:ext uri="{FF2B5EF4-FFF2-40B4-BE49-F238E27FC236}">
+                <a16:creationId xmlns:a16="http://schemas.microsoft.com/office/drawing/2014/main" id="{4AD96F07-E293-3AC7-F825-4C0E8A22C998}"/>
               </a:ext>
             </a:extLst>
           </p:cNvPr>
@@ -7949,58 +8442,55 @@
         </p:blipFill>
         <p:spPr>
           <a:xfrm>
-            <a:off x="485421" y="300781"/>
-            <a:ext cx="5234964" cy="1593521"/>
+            <a:off x="5831880" y="2695683"/>
+            <a:ext cx="6250529" cy="787263"/>
           </a:xfrm>
           <a:prstGeom prst="rect">
             <a:avLst/>
           </a:prstGeom>
+          <a:ln>
+            <a:solidFill>
+              <a:schemeClr val="accent1"/>
+            </a:solidFill>
+          </a:ln>
         </p:spPr>
       </p:pic>
-      <p:sp>
-        <p:nvSpPr>
-          <p:cNvPr id="6" name="テキスト ボックス 5">
-            <a:extLst>
-              <a:ext uri="{FF2B5EF4-FFF2-40B4-BE49-F238E27FC236}">
-                <a16:creationId xmlns:a16="http://schemas.microsoft.com/office/drawing/2014/main" id="{77052739-F260-4153-B897-76FADADDFD83}"/>
-              </a:ext>
-            </a:extLst>
-          </p:cNvPr>
-          <p:cNvSpPr txBox="1"/>
+      <p:pic>
+        <p:nvPicPr>
+          <p:cNvPr id="25" name="図 24">
+            <a:extLst>
+              <a:ext uri="{FF2B5EF4-FFF2-40B4-BE49-F238E27FC236}">
+                <a16:creationId xmlns:a16="http://schemas.microsoft.com/office/drawing/2014/main" id="{80EC1238-FDA8-2F71-9F6A-C08523D2C18B}"/>
+              </a:ext>
+            </a:extLst>
+          </p:cNvPr>
+          <p:cNvPicPr>
+            <a:picLocks noChangeAspect="1"/>
+          </p:cNvPicPr>
           <p:nvPr/>
-        </p:nvSpPr>
-        <p:spPr>
-          <a:xfrm>
-            <a:off x="624063" y="2112066"/>
-            <a:ext cx="6097712" cy="369332"/>
+        </p:nvPicPr>
+        <p:blipFill>
+          <a:blip r:embed="rId3"/>
+          <a:stretch>
+            <a:fillRect/>
+          </a:stretch>
+        </p:blipFill>
+        <p:spPr>
+          <a:xfrm>
+            <a:off x="442914" y="5455773"/>
+            <a:ext cx="5526371" cy="725685"/>
           </a:xfrm>
           <a:prstGeom prst="rect">
             <a:avLst/>
           </a:prstGeom>
-          <a:noFill/>
-        </p:spPr>
-        <p:txBody>
-          <a:bodyPr wrap="square">
-            <a:spAutoFit/>
-          </a:bodyPr>
-          <a:lstStyle/>
-          <a:p>
-            <a:r>
-              <a:rPr lang="ja-JP" altLang="en-US" dirty="0">
-                <a:hlinkClick r:id="rId3"/>
-              </a:rPr>
-              <a:t>https://github.com/yabwon/SAS_PACKAGES</a:t>
-            </a:r>
-            <a:endParaRPr lang="ja-JP" altLang="en-US" dirty="0"/>
-          </a:p>
-        </p:txBody>
-      </p:sp>
+        </p:spPr>
+      </p:pic>
       <p:pic>
         <p:nvPicPr>
-          <p:cNvPr id="8" name="図 7">
-            <a:extLst>
-              <a:ext uri="{FF2B5EF4-FFF2-40B4-BE49-F238E27FC236}">
-                <a16:creationId xmlns:a16="http://schemas.microsoft.com/office/drawing/2014/main" id="{2B313667-8991-80C3-4F0C-63066FC7C385}"/>
+          <p:cNvPr id="27" name="図 26">
+            <a:extLst>
+              <a:ext uri="{FF2B5EF4-FFF2-40B4-BE49-F238E27FC236}">
+                <a16:creationId xmlns:a16="http://schemas.microsoft.com/office/drawing/2014/main" id="{92838429-8A86-B71A-D6A3-B40AF44FFFA5}"/>
               </a:ext>
             </a:extLst>
           </p:cNvPr>
@@ -8017,20 +8507,55 @@
         </p:blipFill>
         <p:spPr>
           <a:xfrm>
-            <a:off x="6471617" y="300781"/>
-            <a:ext cx="5313395" cy="2665734"/>
+            <a:off x="6575793" y="3709133"/>
+            <a:ext cx="5147975" cy="1492480"/>
           </a:xfrm>
           <a:prstGeom prst="rect">
             <a:avLst/>
           </a:prstGeom>
+          <a:ln>
+            <a:solidFill>
+              <a:schemeClr val="accent1"/>
+            </a:solidFill>
+          </a:ln>
         </p:spPr>
       </p:pic>
-      <p:sp>
-        <p:nvSpPr>
-          <p:cNvPr id="10" name="テキスト ボックス 9">
-            <a:extLst>
-              <a:ext uri="{FF2B5EF4-FFF2-40B4-BE49-F238E27FC236}">
-                <a16:creationId xmlns:a16="http://schemas.microsoft.com/office/drawing/2014/main" id="{AE6D5CA5-1783-42D2-61B1-1F46627226E0}"/>
+      <p:pic>
+        <p:nvPicPr>
+          <p:cNvPr id="29" name="図 28">
+            <a:extLst>
+              <a:ext uri="{FF2B5EF4-FFF2-40B4-BE49-F238E27FC236}">
+                <a16:creationId xmlns:a16="http://schemas.microsoft.com/office/drawing/2014/main" id="{B087CC93-88D6-C4B9-7F71-DC9D43C79724}"/>
+              </a:ext>
+            </a:extLst>
+          </p:cNvPr>
+          <p:cNvPicPr>
+            <a:picLocks noChangeAspect="1"/>
+          </p:cNvPicPr>
+          <p:nvPr/>
+        </p:nvPicPr>
+        <p:blipFill>
+          <a:blip r:embed="rId5"/>
+          <a:stretch>
+            <a:fillRect/>
+          </a:stretch>
+        </p:blipFill>
+        <p:spPr>
+          <a:xfrm>
+            <a:off x="8424808" y="5130486"/>
+            <a:ext cx="3039115" cy="1401137"/>
+          </a:xfrm>
+          <a:prstGeom prst="rect">
+            <a:avLst/>
+          </a:prstGeom>
+        </p:spPr>
+      </p:pic>
+      <p:sp>
+        <p:nvSpPr>
+          <p:cNvPr id="31" name="テキスト ボックス 30">
+            <a:extLst>
+              <a:ext uri="{FF2B5EF4-FFF2-40B4-BE49-F238E27FC236}">
+                <a16:creationId xmlns:a16="http://schemas.microsoft.com/office/drawing/2014/main" id="{BDC4B125-6625-BBC5-9080-9C777318DA9F}"/>
               </a:ext>
             </a:extLst>
           </p:cNvPr>
@@ -8039,8 +8564,8 @@
         </p:nvSpPr>
         <p:spPr>
           <a:xfrm>
-            <a:off x="375558" y="3184279"/>
-            <a:ext cx="11176906" cy="2308324"/>
+            <a:off x="5831880" y="1965667"/>
+            <a:ext cx="6097712" cy="646331"/>
           </a:xfrm>
           <a:prstGeom prst="rect">
             <a:avLst/>
@@ -8054,366 +8579,36 @@
           <a:lstStyle/>
           <a:p>
             <a:r>
-              <a:rPr lang="en-US" altLang="ja-JP" sz="1800" dirty="0">
-                <a:solidFill>
-                  <a:srgbClr val="0000FF"/>
-                </a:solidFill>
-                <a:latin typeface="Courier New" panose="02070309020205020404" pitchFamily="49" charset="0"/>
-              </a:rPr>
-              <a:t>filename</a:t>
-            </a:r>
-            <a:r>
-              <a:rPr lang="en-US" altLang="ja-JP" sz="1800" dirty="0">
-                <a:solidFill>
-                  <a:srgbClr val="000000"/>
-                </a:solidFill>
-                <a:latin typeface="Courier New" panose="02070309020205020404" pitchFamily="49" charset="0"/>
-              </a:rPr>
-              <a:t> </a:t>
-            </a:r>
-            <a:r>
-              <a:rPr lang="en-US" altLang="ja-JP" sz="1800" dirty="0" err="1">
-                <a:solidFill>
-                  <a:srgbClr val="000000"/>
-                </a:solidFill>
-                <a:latin typeface="Courier New" panose="02070309020205020404" pitchFamily="49" charset="0"/>
-              </a:rPr>
-              <a:t>spf</a:t>
-            </a:r>
-            <a:r>
-              <a:rPr lang="en-US" altLang="ja-JP" sz="1800" dirty="0">
-                <a:solidFill>
-                  <a:srgbClr val="000000"/>
-                </a:solidFill>
-                <a:latin typeface="Courier New" panose="02070309020205020404" pitchFamily="49" charset="0"/>
-              </a:rPr>
-              <a:t> </a:t>
-            </a:r>
-            <a:r>
-              <a:rPr lang="en-US" altLang="ja-JP" sz="1800" dirty="0">
-                <a:solidFill>
-                  <a:srgbClr val="800080"/>
-                </a:solidFill>
-                <a:latin typeface="Courier New" panose="02070309020205020404" pitchFamily="49" charset="0"/>
-              </a:rPr>
-              <a:t>“ SAS_PACKAGES </a:t>
-            </a:r>
-            <a:r>
-              <a:rPr lang="ja-JP" altLang="en-US" sz="1800" dirty="0">
-                <a:solidFill>
-                  <a:srgbClr val="800080"/>
-                </a:solidFill>
-                <a:latin typeface="Courier New" panose="02070309020205020404" pitchFamily="49" charset="0"/>
-              </a:rPr>
-              <a:t>から落としてきた</a:t>
-            </a:r>
-            <a:r>
-              <a:rPr lang="en-US" altLang="ja-JP" sz="1800" dirty="0">
-                <a:solidFill>
-                  <a:srgbClr val="800080"/>
-                </a:solidFill>
-                <a:latin typeface="Courier New" panose="02070309020205020404" pitchFamily="49" charset="0"/>
-              </a:rPr>
-              <a:t>SPF</a:t>
-            </a:r>
-            <a:r>
-              <a:rPr lang="ja-JP" altLang="en-US" sz="1800" dirty="0">
-                <a:solidFill>
-                  <a:srgbClr val="800080"/>
-                </a:solidFill>
-                <a:latin typeface="Courier New" panose="02070309020205020404" pitchFamily="49" charset="0"/>
-              </a:rPr>
-              <a:t>フォルダのパス</a:t>
-            </a:r>
-            <a:r>
-              <a:rPr lang="en-US" altLang="ja-JP" sz="1800" dirty="0">
-                <a:solidFill>
-                  <a:srgbClr val="800080"/>
-                </a:solidFill>
-                <a:latin typeface="Courier New" panose="02070309020205020404" pitchFamily="49" charset="0"/>
-              </a:rPr>
-              <a:t>"</a:t>
-            </a:r>
-            <a:r>
-              <a:rPr lang="en-US" altLang="ja-JP" sz="1800" dirty="0">
-                <a:solidFill>
-                  <a:srgbClr val="000000"/>
-                </a:solidFill>
-                <a:latin typeface="Courier New" panose="02070309020205020404" pitchFamily="49" charset="0"/>
-              </a:rPr>
-              <a:t> ;</a:t>
-            </a:r>
-          </a:p>
-          <a:p>
-            <a:r>
-              <a:rPr lang="en-US" altLang="ja-JP" sz="1800" dirty="0">
-                <a:solidFill>
-                  <a:srgbClr val="0000FF"/>
-                </a:solidFill>
-                <a:latin typeface="Courier New" panose="02070309020205020404" pitchFamily="49" charset="0"/>
-              </a:rPr>
-              <a:t>%include</a:t>
-            </a:r>
-            <a:r>
-              <a:rPr lang="en-US" altLang="ja-JP" sz="1800" dirty="0">
-                <a:solidFill>
-                  <a:srgbClr val="000000"/>
-                </a:solidFill>
-                <a:latin typeface="Courier New" panose="02070309020205020404" pitchFamily="49" charset="0"/>
-              </a:rPr>
-              <a:t> </a:t>
-            </a:r>
-            <a:r>
-              <a:rPr lang="en-US" altLang="ja-JP" sz="1800" dirty="0" err="1">
-                <a:solidFill>
-                  <a:srgbClr val="000000"/>
-                </a:solidFill>
-                <a:latin typeface="Courier New" panose="02070309020205020404" pitchFamily="49" charset="0"/>
-              </a:rPr>
-              <a:t>spf</a:t>
-            </a:r>
-            <a:r>
-              <a:rPr lang="en-US" altLang="ja-JP" sz="1800" dirty="0">
-                <a:solidFill>
-                  <a:srgbClr val="000000"/>
-                </a:solidFill>
-                <a:latin typeface="Courier New" panose="02070309020205020404" pitchFamily="49" charset="0"/>
-              </a:rPr>
-              <a:t>(</a:t>
-            </a:r>
-            <a:r>
-              <a:rPr lang="en-US" altLang="ja-JP" sz="1800" dirty="0" err="1">
-                <a:solidFill>
-                  <a:srgbClr val="000000"/>
-                </a:solidFill>
-                <a:latin typeface="Courier New" panose="02070309020205020404" pitchFamily="49" charset="0"/>
-              </a:rPr>
-              <a:t>SPFinit.sas</a:t>
-            </a:r>
-            <a:r>
-              <a:rPr lang="en-US" altLang="ja-JP" sz="1800" dirty="0">
-                <a:solidFill>
-                  <a:srgbClr val="000000"/>
-                </a:solidFill>
-                <a:latin typeface="Courier New" panose="02070309020205020404" pitchFamily="49" charset="0"/>
-              </a:rPr>
-              <a:t>) ;</a:t>
-            </a:r>
-          </a:p>
-          <a:p>
-            <a:r>
-              <a:rPr lang="en-US" altLang="ja-JP" sz="1800" dirty="0">
-                <a:solidFill>
-                  <a:srgbClr val="0000FF"/>
-                </a:solidFill>
-                <a:latin typeface="Courier New" panose="02070309020205020404" pitchFamily="49" charset="0"/>
-              </a:rPr>
-              <a:t>filename</a:t>
-            </a:r>
-            <a:r>
-              <a:rPr lang="en-US" altLang="ja-JP" sz="1800" dirty="0">
-                <a:solidFill>
-                  <a:srgbClr val="000000"/>
-                </a:solidFill>
-                <a:latin typeface="Courier New" panose="02070309020205020404" pitchFamily="49" charset="0"/>
-              </a:rPr>
-              <a:t> packages </a:t>
-            </a:r>
-            <a:r>
-              <a:rPr lang="en-US" altLang="ja-JP" sz="1800" dirty="0">
-                <a:solidFill>
-                  <a:srgbClr val="800080"/>
-                </a:solidFill>
-                <a:latin typeface="Courier New" panose="02070309020205020404" pitchFamily="49" charset="0"/>
-              </a:rPr>
-              <a:t>“</a:t>
-            </a:r>
-            <a:r>
-              <a:rPr lang="ja-JP" altLang="en-US" sz="1800" dirty="0">
-                <a:solidFill>
-                  <a:srgbClr val="800080"/>
-                </a:solidFill>
-                <a:latin typeface="Courier New" panose="02070309020205020404" pitchFamily="49" charset="0"/>
-              </a:rPr>
-              <a:t>右上で落としてきたパッケージの</a:t>
-            </a:r>
-            <a:r>
-              <a:rPr lang="en-US" altLang="ja-JP" sz="1800" dirty="0">
-                <a:solidFill>
-                  <a:srgbClr val="800080"/>
-                </a:solidFill>
-                <a:latin typeface="Courier New" panose="02070309020205020404" pitchFamily="49" charset="0"/>
-              </a:rPr>
-              <a:t>zip</a:t>
-            </a:r>
-            <a:r>
-              <a:rPr lang="ja-JP" altLang="en-US" sz="1800" dirty="0">
-                <a:solidFill>
-                  <a:srgbClr val="800080"/>
-                </a:solidFill>
-                <a:latin typeface="Courier New" panose="02070309020205020404" pitchFamily="49" charset="0"/>
-              </a:rPr>
-              <a:t>ファイル</a:t>
-            </a:r>
-            <a:r>
-              <a:rPr lang="en-US" altLang="ja-JP" sz="1800" dirty="0">
-                <a:solidFill>
-                  <a:srgbClr val="800080"/>
-                </a:solidFill>
-                <a:latin typeface="Courier New" panose="02070309020205020404" pitchFamily="49" charset="0"/>
-              </a:rPr>
-              <a:t>"</a:t>
-            </a:r>
-            <a:r>
-              <a:rPr lang="en-US" altLang="ja-JP" sz="1800" dirty="0">
-                <a:solidFill>
-                  <a:srgbClr val="000000"/>
-                </a:solidFill>
-                <a:latin typeface="Courier New" panose="02070309020205020404" pitchFamily="49" charset="0"/>
-              </a:rPr>
-              <a:t>;</a:t>
-            </a:r>
-          </a:p>
-          <a:p>
-            <a:endParaRPr lang="ja-JP" altLang="en-US" sz="1800" dirty="0">
-              <a:solidFill>
-                <a:srgbClr val="000000"/>
-              </a:solidFill>
-              <a:latin typeface="Courier New" panose="02070309020205020404" pitchFamily="49" charset="0"/>
-            </a:endParaRPr>
-          </a:p>
-          <a:p>
-            <a:r>
-              <a:rPr lang="en-US" altLang="ja-JP" sz="1800" dirty="0">
-                <a:solidFill>
-                  <a:srgbClr val="000000"/>
-                </a:solidFill>
-                <a:latin typeface="Courier New" panose="02070309020205020404" pitchFamily="49" charset="0"/>
-              </a:rPr>
-              <a:t>%</a:t>
-            </a:r>
-            <a:r>
-              <a:rPr lang="en-US" altLang="ja-JP" sz="1800" b="1" i="1" dirty="0" err="1">
-                <a:solidFill>
-                  <a:srgbClr val="000000"/>
-                </a:solidFill>
-                <a:latin typeface="Courier New" panose="02070309020205020404" pitchFamily="49" charset="0"/>
-              </a:rPr>
-              <a:t>loadPackage</a:t>
-            </a:r>
-            <a:r>
-              <a:rPr lang="en-US" altLang="ja-JP" sz="1800" b="0" i="0" dirty="0">
-                <a:solidFill>
-                  <a:srgbClr val="000000"/>
-                </a:solidFill>
-                <a:latin typeface="Courier New" panose="02070309020205020404" pitchFamily="49" charset="0"/>
-              </a:rPr>
-              <a:t>(</a:t>
-            </a:r>
-            <a:r>
-              <a:rPr lang="en-US" altLang="ja-JP" sz="1800" b="0" i="0" dirty="0" err="1">
-                <a:solidFill>
-                  <a:srgbClr val="000000"/>
-                </a:solidFill>
-                <a:latin typeface="Courier New" panose="02070309020205020404" pitchFamily="49" charset="0"/>
-              </a:rPr>
-              <a:t>sas_dataset_json</a:t>
-            </a:r>
-            <a:r>
-              <a:rPr lang="en-US" altLang="ja-JP" sz="1800" b="0" i="0" dirty="0">
-                <a:solidFill>
-                  <a:srgbClr val="000000"/>
-                </a:solidFill>
-                <a:latin typeface="Courier New" panose="02070309020205020404" pitchFamily="49" charset="0"/>
-              </a:rPr>
-              <a:t>) ;</a:t>
-            </a:r>
-          </a:p>
-          <a:p>
-            <a:r>
-              <a:rPr lang="ja-JP" altLang="en-US" sz="1800" b="0" i="0" dirty="0">
-                <a:solidFill>
-                  <a:srgbClr val="000000"/>
-                </a:solidFill>
-                <a:latin typeface="Courier New" panose="02070309020205020404" pitchFamily="49" charset="0"/>
-              </a:rPr>
-              <a:t>👆</a:t>
-            </a:r>
-            <a:endParaRPr lang="en-US" altLang="ja-JP" sz="1800" b="0" i="0" dirty="0">
-              <a:solidFill>
-                <a:srgbClr val="000000"/>
-              </a:solidFill>
-              <a:latin typeface="Courier New" panose="02070309020205020404" pitchFamily="49" charset="0"/>
-            </a:endParaRPr>
-          </a:p>
-          <a:p>
-            <a:r>
-              <a:rPr lang="en-US" altLang="ja-JP" sz="1800" b="0" i="0" dirty="0">
-                <a:solidFill>
-                  <a:srgbClr val="000000"/>
-                </a:solidFill>
-                <a:latin typeface="Courier New" panose="02070309020205020404" pitchFamily="49" charset="0"/>
-              </a:rPr>
-              <a:t>R</a:t>
-            </a:r>
-            <a:r>
-              <a:rPr lang="ja-JP" altLang="en-US" sz="1800" b="0" i="0" dirty="0">
-                <a:solidFill>
-                  <a:srgbClr val="000000"/>
-                </a:solidFill>
-                <a:latin typeface="Courier New" panose="02070309020205020404" pitchFamily="49" charset="0"/>
-              </a:rPr>
-              <a:t>でいう</a:t>
-            </a:r>
-            <a:r>
-              <a:rPr lang="en-US" altLang="ja-JP" sz="1800" b="0" i="0" dirty="0" err="1">
-                <a:solidFill>
-                  <a:srgbClr val="000000"/>
-                </a:solidFill>
-                <a:latin typeface="Courier New" panose="02070309020205020404" pitchFamily="49" charset="0"/>
-              </a:rPr>
-              <a:t>install.packages</a:t>
-            </a:r>
-            <a:r>
-              <a:rPr lang="ja-JP" altLang="en-US" sz="1800" b="0" i="0" dirty="0">
-                <a:solidFill>
-                  <a:srgbClr val="000000"/>
-                </a:solidFill>
-                <a:latin typeface="Courier New" panose="02070309020205020404" pitchFamily="49" charset="0"/>
-              </a:rPr>
+              <a:rPr lang="ja-JP" altLang="en-US" dirty="0"/>
+              <a:t>構造が違うだけで</a:t>
+            </a:r>
+            <a:r>
+              <a:rPr lang="en-US" altLang="ja-JP" dirty="0"/>
+              <a:t>dataset-</a:t>
+            </a:r>
+            <a:r>
+              <a:rPr lang="en-US" altLang="ja-JP" dirty="0" err="1"/>
+              <a:t>json</a:t>
+            </a:r>
+            <a:r>
+              <a:rPr lang="ja-JP" altLang="en-US" dirty="0"/>
               <a:t>と</a:t>
             </a:r>
             <a:r>
-              <a:rPr lang="en-US" altLang="ja-JP" sz="1800" b="0" i="0" dirty="0">
-                <a:solidFill>
-                  <a:srgbClr val="000000"/>
-                </a:solidFill>
-                <a:latin typeface="Courier New" panose="02070309020205020404" pitchFamily="49" charset="0"/>
-              </a:rPr>
-              <a:t>library</a:t>
-            </a:r>
-            <a:r>
-              <a:rPr lang="ja-JP" altLang="en-US" sz="1800" b="0" i="0" dirty="0">
-                <a:solidFill>
-                  <a:srgbClr val="000000"/>
-                </a:solidFill>
-                <a:latin typeface="Courier New" panose="02070309020205020404" pitchFamily="49" charset="0"/>
-              </a:rPr>
-              <a:t>と同じ機能で，これよって，以降パッケージ内のマクロをすべて呼び出し可能</a:t>
-            </a:r>
-            <a:endParaRPr lang="en-US" altLang="ja-JP" sz="1800" b="0" i="0" dirty="0">
-              <a:solidFill>
-                <a:srgbClr val="000000"/>
-              </a:solidFill>
-              <a:latin typeface="Courier New" panose="02070309020205020404" pitchFamily="49" charset="0"/>
-            </a:endParaRPr>
+              <a:rPr lang="en-US" altLang="ja-JP" dirty="0" err="1"/>
+              <a:t>ndjson</a:t>
+            </a:r>
+            <a:r>
+              <a:rPr lang="ja-JP" altLang="en-US" dirty="0"/>
+              <a:t>は同じ情報を持ち同じように処理されなければならない</a:t>
+            </a:r>
           </a:p>
         </p:txBody>
       </p:sp>
     </p:spTree>
     <p:extLst>
       <p:ext uri="{BB962C8B-B14F-4D97-AF65-F5344CB8AC3E}">
-        <p14:creationId xmlns:p14="http://schemas.microsoft.com/office/powerpoint/2010/main" val="2557119561"/>
+        <p14:creationId xmlns:p14="http://schemas.microsoft.com/office/powerpoint/2010/main" val="3006383383"/>
       </p:ext>
     </p:extLst>
   </p:cSld>
@@ -8442,10 +8637,10 @@
       </p:grpSpPr>
       <p:pic>
         <p:nvPicPr>
-          <p:cNvPr id="5" name="図 4">
-            <a:extLst>
-              <a:ext uri="{FF2B5EF4-FFF2-40B4-BE49-F238E27FC236}">
-                <a16:creationId xmlns:a16="http://schemas.microsoft.com/office/drawing/2014/main" id="{604D4A33-DF60-AAAD-50B0-4FF54D909343}"/>
+          <p:cNvPr id="4" name="図 3">
+            <a:extLst>
+              <a:ext uri="{FF2B5EF4-FFF2-40B4-BE49-F238E27FC236}">
+                <a16:creationId xmlns:a16="http://schemas.microsoft.com/office/drawing/2014/main" id="{084552D3-A725-8207-8E54-DB11744F8AB8}"/>
               </a:ext>
             </a:extLst>
           </p:cNvPr>
@@ -8462,8 +8657,8 @@
         </p:blipFill>
         <p:spPr>
           <a:xfrm>
-            <a:off x="116198" y="756652"/>
-            <a:ext cx="2048161" cy="1924319"/>
+            <a:off x="485421" y="300781"/>
+            <a:ext cx="5234964" cy="1593521"/>
           </a:xfrm>
           <a:prstGeom prst="rect">
             <a:avLst/>
@@ -8472,10 +8667,10 @@
       </p:pic>
       <p:sp>
         <p:nvSpPr>
-          <p:cNvPr id="7" name="テキスト ボックス 6">
-            <a:extLst>
-              <a:ext uri="{FF2B5EF4-FFF2-40B4-BE49-F238E27FC236}">
-                <a16:creationId xmlns:a16="http://schemas.microsoft.com/office/drawing/2014/main" id="{ED8D9DAC-774D-DAFE-D406-F5CCF9F132B2}"/>
+          <p:cNvPr id="6" name="テキスト ボックス 5">
+            <a:extLst>
+              <a:ext uri="{FF2B5EF4-FFF2-40B4-BE49-F238E27FC236}">
+                <a16:creationId xmlns:a16="http://schemas.microsoft.com/office/drawing/2014/main" id="{77052739-F260-4153-B897-76FADADDFD83}"/>
               </a:ext>
             </a:extLst>
           </p:cNvPr>
@@ -8484,8 +8679,8 @@
         </p:nvSpPr>
         <p:spPr>
           <a:xfrm>
-            <a:off x="330149" y="324381"/>
-            <a:ext cx="10169122" cy="369332"/>
+            <a:off x="624063" y="2112066"/>
+            <a:ext cx="6097712" cy="369332"/>
           </a:xfrm>
           <a:prstGeom prst="rect">
             <a:avLst/>
@@ -8502,133 +8697,7 @@
               <a:rPr lang="ja-JP" altLang="en-US" dirty="0">
                 <a:hlinkClick r:id="rId3"/>
               </a:rPr>
-              <a:t>https://github.com/Morioka-Yutaka/sas_dataset_json/tree/main</a:t>
-            </a:r>
-            <a:endParaRPr lang="ja-JP" altLang="en-US" dirty="0"/>
-          </a:p>
-        </p:txBody>
-      </p:sp>
-      <p:sp>
-        <p:nvSpPr>
-          <p:cNvPr id="9" name="テキスト ボックス 8">
-            <a:extLst>
-              <a:ext uri="{FF2B5EF4-FFF2-40B4-BE49-F238E27FC236}">
-                <a16:creationId xmlns:a16="http://schemas.microsoft.com/office/drawing/2014/main" id="{3192FF7D-E187-EA5E-DE0D-36379338FC2F}"/>
-              </a:ext>
-            </a:extLst>
-          </p:cNvPr>
-          <p:cNvSpPr txBox="1"/>
-          <p:nvPr/>
-        </p:nvSpPr>
-        <p:spPr>
-          <a:xfrm>
-            <a:off x="2164359" y="1129784"/>
-            <a:ext cx="8228777" cy="1477328"/>
-          </a:xfrm>
-          <a:prstGeom prst="rect">
-            <a:avLst/>
-          </a:prstGeom>
-          <a:noFill/>
-        </p:spPr>
-        <p:txBody>
-          <a:bodyPr wrap="square">
-            <a:spAutoFit/>
-          </a:bodyPr>
-          <a:lstStyle/>
-          <a:p>
-            <a:r>
-              <a:rPr lang="ja-JP" altLang="en-US" dirty="0"/>
-              <a:t>今後は</a:t>
-            </a:r>
-            <a:endParaRPr lang="en-US" altLang="ja-JP" dirty="0"/>
-          </a:p>
-          <a:p>
-            <a:r>
-              <a:rPr lang="ja-JP" altLang="en-US" dirty="0"/>
-              <a:t>・</a:t>
-            </a:r>
-            <a:r>
-              <a:rPr lang="en-US" altLang="ja-JP" dirty="0" err="1"/>
-              <a:t>ndjson</a:t>
-            </a:r>
-            <a:r>
-              <a:rPr lang="ja-JP" altLang="en-US" dirty="0"/>
-              <a:t>形式の読み書きの実装</a:t>
-            </a:r>
-            <a:endParaRPr lang="en-US" altLang="ja-JP" dirty="0"/>
-          </a:p>
-          <a:p>
-            <a:r>
-              <a:rPr lang="ja-JP" altLang="en-US" dirty="0"/>
-              <a:t>・</a:t>
-            </a:r>
-            <a:r>
-              <a:rPr lang="en-US" altLang="ja-JP" dirty="0"/>
-              <a:t>define.xml</a:t>
-            </a:r>
-            <a:r>
-              <a:rPr lang="ja-JP" altLang="en-US" dirty="0"/>
-              <a:t>を読み込んで拡張属性を作る機能の実装</a:t>
-            </a:r>
-            <a:endParaRPr lang="en-US" altLang="ja-JP" dirty="0"/>
-          </a:p>
-          <a:p>
-            <a:r>
-              <a:rPr lang="ja-JP" altLang="en-US" dirty="0"/>
-              <a:t>・</a:t>
-            </a:r>
-            <a:r>
-              <a:rPr lang="en-US" altLang="ja-JP" dirty="0"/>
-              <a:t>dataset-JSON</a:t>
-            </a:r>
-            <a:r>
-              <a:rPr lang="ja-JP" altLang="en-US" dirty="0"/>
-              <a:t>の出来上がりに規格仕様との齟齬がないかのチェック機構</a:t>
-            </a:r>
-            <a:endParaRPr lang="en-US" altLang="ja-JP" dirty="0"/>
-          </a:p>
-          <a:p>
-            <a:r>
-              <a:rPr lang="ja-JP" altLang="en-US" dirty="0"/>
-              <a:t>などを追加していきたい</a:t>
-            </a:r>
-            <a:endParaRPr lang="en-US" altLang="ja-JP" dirty="0"/>
-          </a:p>
-        </p:txBody>
-      </p:sp>
-      <p:sp>
-        <p:nvSpPr>
-          <p:cNvPr id="11" name="テキスト ボックス 10">
-            <a:extLst>
-              <a:ext uri="{FF2B5EF4-FFF2-40B4-BE49-F238E27FC236}">
-                <a16:creationId xmlns:a16="http://schemas.microsoft.com/office/drawing/2014/main" id="{9BD68CC4-B9AF-94F1-5C84-8C695F232036}"/>
-              </a:ext>
-            </a:extLst>
-          </p:cNvPr>
-          <p:cNvSpPr txBox="1"/>
-          <p:nvPr/>
-        </p:nvSpPr>
-        <p:spPr>
-          <a:xfrm>
-            <a:off x="330149" y="3244334"/>
-            <a:ext cx="6094638" cy="369332"/>
-          </a:xfrm>
-          <a:prstGeom prst="rect">
-            <a:avLst/>
-          </a:prstGeom>
-          <a:noFill/>
-        </p:spPr>
-        <p:txBody>
-          <a:bodyPr wrap="square">
-            <a:spAutoFit/>
-          </a:bodyPr>
-          <a:lstStyle/>
-          <a:p>
-            <a:r>
-              <a:rPr lang="ja-JP" altLang="en-US" dirty="0">
-                <a:hlinkClick r:id="rId4"/>
-              </a:rPr>
-              <a:t>https://github.com/Morioka-Yutaka/sashash</a:t>
+              <a:t>https://github.com/yabwon/SAS_PACKAGES</a:t>
             </a:r>
             <a:endParaRPr lang="ja-JP" altLang="en-US" dirty="0"/>
           </a:p>
@@ -8636,10 +8705,10 @@
       </p:sp>
       <p:pic>
         <p:nvPicPr>
-          <p:cNvPr id="13" name="図 12">
-            <a:extLst>
-              <a:ext uri="{FF2B5EF4-FFF2-40B4-BE49-F238E27FC236}">
-                <a16:creationId xmlns:a16="http://schemas.microsoft.com/office/drawing/2014/main" id="{F5358838-1903-93B3-6830-F2BB5D36FE1C}"/>
+          <p:cNvPr id="8" name="図 7">
+            <a:extLst>
+              <a:ext uri="{FF2B5EF4-FFF2-40B4-BE49-F238E27FC236}">
+                <a16:creationId xmlns:a16="http://schemas.microsoft.com/office/drawing/2014/main" id="{2B313667-8991-80C3-4F0C-63066FC7C385}"/>
               </a:ext>
             </a:extLst>
           </p:cNvPr>
@@ -8649,15 +8718,15 @@
           <p:nvPr/>
         </p:nvPicPr>
         <p:blipFill>
-          <a:blip r:embed="rId5"/>
+          <a:blip r:embed="rId4"/>
           <a:stretch>
             <a:fillRect/>
           </a:stretch>
         </p:blipFill>
         <p:spPr>
           <a:xfrm>
-            <a:off x="330149" y="3796392"/>
-            <a:ext cx="1601840" cy="1641733"/>
+            <a:off x="6471617" y="300781"/>
+            <a:ext cx="5313395" cy="2665734"/>
           </a:xfrm>
           <a:prstGeom prst="rect">
             <a:avLst/>
@@ -8666,10 +8735,10 @@
       </p:pic>
       <p:sp>
         <p:nvSpPr>
-          <p:cNvPr id="15" name="テキスト ボックス 14">
-            <a:extLst>
-              <a:ext uri="{FF2B5EF4-FFF2-40B4-BE49-F238E27FC236}">
-                <a16:creationId xmlns:a16="http://schemas.microsoft.com/office/drawing/2014/main" id="{1F6A5BE8-4C32-21F9-5F02-14D08B26F73B}"/>
+          <p:cNvPr id="10" name="テキスト ボックス 9">
+            <a:extLst>
+              <a:ext uri="{FF2B5EF4-FFF2-40B4-BE49-F238E27FC236}">
+                <a16:creationId xmlns:a16="http://schemas.microsoft.com/office/drawing/2014/main" id="{AE6D5CA5-1783-42D2-61B1-1F46627226E0}"/>
               </a:ext>
             </a:extLst>
           </p:cNvPr>
@@ -8678,8 +8747,8 @@
         </p:nvSpPr>
         <p:spPr>
           <a:xfrm>
-            <a:off x="2164359" y="3909161"/>
-            <a:ext cx="8424720" cy="646331"/>
+            <a:off x="375558" y="3184279"/>
+            <a:ext cx="11176906" cy="2308324"/>
           </a:xfrm>
           <a:prstGeom prst="rect">
             <a:avLst/>
@@ -8693,32 +8762,366 @@
           <a:lstStyle/>
           <a:p>
             <a:r>
-              <a:rPr lang="ja-JP" altLang="en-US" dirty="0"/>
-              <a:t>作者の別の，パッケージ．</a:t>
-            </a:r>
-            <a:r>
-              <a:rPr lang="en-US" altLang="ja-JP" dirty="0"/>
-              <a:t>SAS</a:t>
-            </a:r>
-            <a:r>
-              <a:rPr lang="ja-JP" altLang="en-US" dirty="0"/>
-              <a:t>でハッシュオブジェクトによる</a:t>
-            </a:r>
-            <a:r>
-              <a:rPr lang="en-US" altLang="ja-JP" dirty="0"/>
-              <a:t>key-data</a:t>
-            </a:r>
-            <a:r>
-              <a:rPr lang="ja-JP" altLang="en-US" dirty="0"/>
-              <a:t>処理を簡易に行える</a:t>
-            </a:r>
+              <a:rPr lang="en-US" altLang="ja-JP" sz="1800" dirty="0">
+                <a:solidFill>
+                  <a:srgbClr val="0000FF"/>
+                </a:solidFill>
+                <a:latin typeface="Courier New" panose="02070309020205020404" pitchFamily="49" charset="0"/>
+              </a:rPr>
+              <a:t>filename</a:t>
+            </a:r>
+            <a:r>
+              <a:rPr lang="en-US" altLang="ja-JP" sz="1800" dirty="0">
+                <a:solidFill>
+                  <a:srgbClr val="000000"/>
+                </a:solidFill>
+                <a:latin typeface="Courier New" panose="02070309020205020404" pitchFamily="49" charset="0"/>
+              </a:rPr>
+              <a:t> </a:t>
+            </a:r>
+            <a:r>
+              <a:rPr lang="en-US" altLang="ja-JP" sz="1800" dirty="0" err="1">
+                <a:solidFill>
+                  <a:srgbClr val="000000"/>
+                </a:solidFill>
+                <a:latin typeface="Courier New" panose="02070309020205020404" pitchFamily="49" charset="0"/>
+              </a:rPr>
+              <a:t>spf</a:t>
+            </a:r>
+            <a:r>
+              <a:rPr lang="en-US" altLang="ja-JP" sz="1800" dirty="0">
+                <a:solidFill>
+                  <a:srgbClr val="000000"/>
+                </a:solidFill>
+                <a:latin typeface="Courier New" panose="02070309020205020404" pitchFamily="49" charset="0"/>
+              </a:rPr>
+              <a:t> </a:t>
+            </a:r>
+            <a:r>
+              <a:rPr lang="en-US" altLang="ja-JP" sz="1800" dirty="0">
+                <a:solidFill>
+                  <a:srgbClr val="800080"/>
+                </a:solidFill>
+                <a:latin typeface="Courier New" panose="02070309020205020404" pitchFamily="49" charset="0"/>
+              </a:rPr>
+              <a:t>“ SAS_PACKAGES </a:t>
+            </a:r>
+            <a:r>
+              <a:rPr lang="ja-JP" altLang="en-US" sz="1800" dirty="0">
+                <a:solidFill>
+                  <a:srgbClr val="800080"/>
+                </a:solidFill>
+                <a:latin typeface="Courier New" panose="02070309020205020404" pitchFamily="49" charset="0"/>
+              </a:rPr>
+              <a:t>から落としてきた</a:t>
+            </a:r>
+            <a:r>
+              <a:rPr lang="en-US" altLang="ja-JP" sz="1800" dirty="0">
+                <a:solidFill>
+                  <a:srgbClr val="800080"/>
+                </a:solidFill>
+                <a:latin typeface="Courier New" panose="02070309020205020404" pitchFamily="49" charset="0"/>
+              </a:rPr>
+              <a:t>SPF</a:t>
+            </a:r>
+            <a:r>
+              <a:rPr lang="ja-JP" altLang="en-US" sz="1800" dirty="0">
+                <a:solidFill>
+                  <a:srgbClr val="800080"/>
+                </a:solidFill>
+                <a:latin typeface="Courier New" panose="02070309020205020404" pitchFamily="49" charset="0"/>
+              </a:rPr>
+              <a:t>フォルダのパス</a:t>
+            </a:r>
+            <a:r>
+              <a:rPr lang="en-US" altLang="ja-JP" sz="1800" dirty="0">
+                <a:solidFill>
+                  <a:srgbClr val="800080"/>
+                </a:solidFill>
+                <a:latin typeface="Courier New" panose="02070309020205020404" pitchFamily="49" charset="0"/>
+              </a:rPr>
+              <a:t>"</a:t>
+            </a:r>
+            <a:r>
+              <a:rPr lang="en-US" altLang="ja-JP" sz="1800" dirty="0">
+                <a:solidFill>
+                  <a:srgbClr val="000000"/>
+                </a:solidFill>
+                <a:latin typeface="Courier New" panose="02070309020205020404" pitchFamily="49" charset="0"/>
+              </a:rPr>
+              <a:t> ;</a:t>
+            </a:r>
+          </a:p>
+          <a:p>
+            <a:r>
+              <a:rPr lang="en-US" altLang="ja-JP" sz="1800" dirty="0">
+                <a:solidFill>
+                  <a:srgbClr val="0000FF"/>
+                </a:solidFill>
+                <a:latin typeface="Courier New" panose="02070309020205020404" pitchFamily="49" charset="0"/>
+              </a:rPr>
+              <a:t>%include</a:t>
+            </a:r>
+            <a:r>
+              <a:rPr lang="en-US" altLang="ja-JP" sz="1800" dirty="0">
+                <a:solidFill>
+                  <a:srgbClr val="000000"/>
+                </a:solidFill>
+                <a:latin typeface="Courier New" panose="02070309020205020404" pitchFamily="49" charset="0"/>
+              </a:rPr>
+              <a:t> </a:t>
+            </a:r>
+            <a:r>
+              <a:rPr lang="en-US" altLang="ja-JP" sz="1800" dirty="0" err="1">
+                <a:solidFill>
+                  <a:srgbClr val="000000"/>
+                </a:solidFill>
+                <a:latin typeface="Courier New" panose="02070309020205020404" pitchFamily="49" charset="0"/>
+              </a:rPr>
+              <a:t>spf</a:t>
+            </a:r>
+            <a:r>
+              <a:rPr lang="en-US" altLang="ja-JP" sz="1800" dirty="0">
+                <a:solidFill>
+                  <a:srgbClr val="000000"/>
+                </a:solidFill>
+                <a:latin typeface="Courier New" panose="02070309020205020404" pitchFamily="49" charset="0"/>
+              </a:rPr>
+              <a:t>(</a:t>
+            </a:r>
+            <a:r>
+              <a:rPr lang="en-US" altLang="ja-JP" sz="1800" dirty="0" err="1">
+                <a:solidFill>
+                  <a:srgbClr val="000000"/>
+                </a:solidFill>
+                <a:latin typeface="Courier New" panose="02070309020205020404" pitchFamily="49" charset="0"/>
+              </a:rPr>
+              <a:t>SPFinit.sas</a:t>
+            </a:r>
+            <a:r>
+              <a:rPr lang="en-US" altLang="ja-JP" sz="1800" dirty="0">
+                <a:solidFill>
+                  <a:srgbClr val="000000"/>
+                </a:solidFill>
+                <a:latin typeface="Courier New" panose="02070309020205020404" pitchFamily="49" charset="0"/>
+              </a:rPr>
+              <a:t>) ;</a:t>
+            </a:r>
+          </a:p>
+          <a:p>
+            <a:r>
+              <a:rPr lang="en-US" altLang="ja-JP" sz="1800" dirty="0">
+                <a:solidFill>
+                  <a:srgbClr val="0000FF"/>
+                </a:solidFill>
+                <a:latin typeface="Courier New" panose="02070309020205020404" pitchFamily="49" charset="0"/>
+              </a:rPr>
+              <a:t>filename</a:t>
+            </a:r>
+            <a:r>
+              <a:rPr lang="en-US" altLang="ja-JP" sz="1800" dirty="0">
+                <a:solidFill>
+                  <a:srgbClr val="000000"/>
+                </a:solidFill>
+                <a:latin typeface="Courier New" panose="02070309020205020404" pitchFamily="49" charset="0"/>
+              </a:rPr>
+              <a:t> packages </a:t>
+            </a:r>
+            <a:r>
+              <a:rPr lang="en-US" altLang="ja-JP" sz="1800" dirty="0">
+                <a:solidFill>
+                  <a:srgbClr val="800080"/>
+                </a:solidFill>
+                <a:latin typeface="Courier New" panose="02070309020205020404" pitchFamily="49" charset="0"/>
+              </a:rPr>
+              <a:t>“</a:t>
+            </a:r>
+            <a:r>
+              <a:rPr lang="ja-JP" altLang="en-US" sz="1800" dirty="0">
+                <a:solidFill>
+                  <a:srgbClr val="800080"/>
+                </a:solidFill>
+                <a:latin typeface="Courier New" panose="02070309020205020404" pitchFamily="49" charset="0"/>
+              </a:rPr>
+              <a:t>右上で落としてきたパッケージの</a:t>
+            </a:r>
+            <a:r>
+              <a:rPr lang="en-US" altLang="ja-JP" sz="1800" dirty="0">
+                <a:solidFill>
+                  <a:srgbClr val="800080"/>
+                </a:solidFill>
+                <a:latin typeface="Courier New" panose="02070309020205020404" pitchFamily="49" charset="0"/>
+              </a:rPr>
+              <a:t>zip</a:t>
+            </a:r>
+            <a:r>
+              <a:rPr lang="ja-JP" altLang="en-US" sz="1800" dirty="0">
+                <a:solidFill>
+                  <a:srgbClr val="800080"/>
+                </a:solidFill>
+                <a:latin typeface="Courier New" panose="02070309020205020404" pitchFamily="49" charset="0"/>
+              </a:rPr>
+              <a:t>ファイル</a:t>
+            </a:r>
+            <a:r>
+              <a:rPr lang="en-US" altLang="ja-JP" sz="1800" dirty="0">
+                <a:solidFill>
+                  <a:srgbClr val="800080"/>
+                </a:solidFill>
+                <a:latin typeface="Courier New" panose="02070309020205020404" pitchFamily="49" charset="0"/>
+              </a:rPr>
+              <a:t>"</a:t>
+            </a:r>
+            <a:r>
+              <a:rPr lang="en-US" altLang="ja-JP" sz="1800" dirty="0">
+                <a:solidFill>
+                  <a:srgbClr val="000000"/>
+                </a:solidFill>
+                <a:latin typeface="Courier New" panose="02070309020205020404" pitchFamily="49" charset="0"/>
+              </a:rPr>
+              <a:t>;</a:t>
+            </a:r>
+          </a:p>
+          <a:p>
+            <a:endParaRPr lang="ja-JP" altLang="en-US" sz="1800" dirty="0">
+              <a:solidFill>
+                <a:srgbClr val="000000"/>
+              </a:solidFill>
+              <a:latin typeface="Courier New" panose="02070309020205020404" pitchFamily="49" charset="0"/>
+            </a:endParaRPr>
+          </a:p>
+          <a:p>
+            <a:r>
+              <a:rPr lang="en-US" altLang="ja-JP" sz="1800" dirty="0">
+                <a:solidFill>
+                  <a:srgbClr val="000000"/>
+                </a:solidFill>
+                <a:latin typeface="Courier New" panose="02070309020205020404" pitchFamily="49" charset="0"/>
+              </a:rPr>
+              <a:t>%</a:t>
+            </a:r>
+            <a:r>
+              <a:rPr lang="en-US" altLang="ja-JP" sz="1800" b="1" i="1" dirty="0" err="1">
+                <a:solidFill>
+                  <a:srgbClr val="000000"/>
+                </a:solidFill>
+                <a:latin typeface="Courier New" panose="02070309020205020404" pitchFamily="49" charset="0"/>
+              </a:rPr>
+              <a:t>loadPackage</a:t>
+            </a:r>
+            <a:r>
+              <a:rPr lang="en-US" altLang="ja-JP" sz="1800" b="0" i="0" dirty="0">
+                <a:solidFill>
+                  <a:srgbClr val="000000"/>
+                </a:solidFill>
+                <a:latin typeface="Courier New" panose="02070309020205020404" pitchFamily="49" charset="0"/>
+              </a:rPr>
+              <a:t>(</a:t>
+            </a:r>
+            <a:r>
+              <a:rPr lang="en-US" altLang="ja-JP" sz="1800" b="0" i="0" dirty="0" err="1">
+                <a:solidFill>
+                  <a:srgbClr val="000000"/>
+                </a:solidFill>
+                <a:latin typeface="Courier New" panose="02070309020205020404" pitchFamily="49" charset="0"/>
+              </a:rPr>
+              <a:t>sas_dataset_json</a:t>
+            </a:r>
+            <a:r>
+              <a:rPr lang="en-US" altLang="ja-JP" sz="1800" b="0" i="0" dirty="0">
+                <a:solidFill>
+                  <a:srgbClr val="000000"/>
+                </a:solidFill>
+                <a:latin typeface="Courier New" panose="02070309020205020404" pitchFamily="49" charset="0"/>
+              </a:rPr>
+              <a:t>) ;</a:t>
+            </a:r>
+          </a:p>
+          <a:p>
+            <a:r>
+              <a:rPr lang="ja-JP" altLang="en-US" sz="1800" b="0" i="0" dirty="0">
+                <a:solidFill>
+                  <a:srgbClr val="000000"/>
+                </a:solidFill>
+                <a:latin typeface="Courier New" panose="02070309020205020404" pitchFamily="49" charset="0"/>
+              </a:rPr>
+              <a:t>👆</a:t>
+            </a:r>
+            <a:endParaRPr lang="en-US" altLang="ja-JP" sz="1800" b="0" i="0" dirty="0">
+              <a:solidFill>
+                <a:srgbClr val="000000"/>
+              </a:solidFill>
+              <a:latin typeface="Courier New" panose="02070309020205020404" pitchFamily="49" charset="0"/>
+            </a:endParaRPr>
+          </a:p>
+          <a:p>
+            <a:r>
+              <a:rPr lang="en-US" altLang="ja-JP" sz="1800" b="0" i="0" dirty="0">
+                <a:solidFill>
+                  <a:srgbClr val="000000"/>
+                </a:solidFill>
+                <a:latin typeface="Courier New" panose="02070309020205020404" pitchFamily="49" charset="0"/>
+              </a:rPr>
+              <a:t>R</a:t>
+            </a:r>
+            <a:r>
+              <a:rPr lang="ja-JP" altLang="en-US" sz="1800" b="0" i="0" dirty="0">
+                <a:solidFill>
+                  <a:srgbClr val="000000"/>
+                </a:solidFill>
+                <a:latin typeface="Courier New" panose="02070309020205020404" pitchFamily="49" charset="0"/>
+              </a:rPr>
+              <a:t>でいう</a:t>
+            </a:r>
+            <a:r>
+              <a:rPr lang="en-US" altLang="ja-JP" sz="1800" b="0" i="0" dirty="0" err="1">
+                <a:solidFill>
+                  <a:srgbClr val="000000"/>
+                </a:solidFill>
+                <a:latin typeface="Courier New" panose="02070309020205020404" pitchFamily="49" charset="0"/>
+              </a:rPr>
+              <a:t>install.packages</a:t>
+            </a:r>
+            <a:r>
+              <a:rPr lang="ja-JP" altLang="en-US" sz="1800" b="0" i="0" dirty="0">
+                <a:solidFill>
+                  <a:srgbClr val="000000"/>
+                </a:solidFill>
+                <a:latin typeface="Courier New" panose="02070309020205020404" pitchFamily="49" charset="0"/>
+              </a:rPr>
+              <a:t>と</a:t>
+            </a:r>
+            <a:r>
+              <a:rPr lang="en-US" altLang="ja-JP" sz="1800" b="0" i="0" dirty="0">
+                <a:solidFill>
+                  <a:srgbClr val="000000"/>
+                </a:solidFill>
+                <a:latin typeface="Courier New" panose="02070309020205020404" pitchFamily="49" charset="0"/>
+              </a:rPr>
+              <a:t>library</a:t>
+            </a:r>
+            <a:r>
+              <a:rPr lang="ja-JP" altLang="en-US" sz="1800" b="0" i="0" dirty="0">
+                <a:solidFill>
+                  <a:srgbClr val="000000"/>
+                </a:solidFill>
+                <a:latin typeface="Courier New" panose="02070309020205020404" pitchFamily="49" charset="0"/>
+              </a:rPr>
+              <a:t>と同じ機能で，これよって，以降パッケージ内のマクロをすべて呼び出し可能</a:t>
+            </a:r>
+            <a:endParaRPr lang="en-US" altLang="ja-JP" sz="1800" b="0" i="0" dirty="0">
+              <a:solidFill>
+                <a:srgbClr val="000000"/>
+              </a:solidFill>
+              <a:latin typeface="Courier New" panose="02070309020205020404" pitchFamily="49" charset="0"/>
+            </a:endParaRPr>
           </a:p>
         </p:txBody>
       </p:sp>
     </p:spTree>
     <p:extLst>
       <p:ext uri="{BB962C8B-B14F-4D97-AF65-F5344CB8AC3E}">
-        <p14:creationId xmlns:p14="http://schemas.microsoft.com/office/powerpoint/2010/main" val="2612316486"/>
+        <p14:creationId xmlns:p14="http://schemas.microsoft.com/office/powerpoint/2010/main" val="2557119561"/>
       </p:ext>
     </p:extLst>
   </p:cSld>
@@ -8914,6 +9317,311 @@
     <p:extLst>
       <p:ext uri="{BB962C8B-B14F-4D97-AF65-F5344CB8AC3E}">
         <p14:creationId xmlns:p14="http://schemas.microsoft.com/office/powerpoint/2010/main" val="2141047820"/>
+      </p:ext>
+    </p:extLst>
+  </p:cSld>
+  <p:clrMapOvr>
+    <a:masterClrMapping/>
+  </p:clrMapOvr>
+</p:sld>
+</file>
+
+<file path=ppt/slides/slide20.xml><?xml version="1.0" encoding="utf-8"?>
+<p:sld xmlns:a="http://schemas.openxmlformats.org/drawingml/2006/main" xmlns:r="http://schemas.openxmlformats.org/officeDocument/2006/relationships" xmlns:p="http://schemas.openxmlformats.org/presentationml/2006/main">
+  <p:cSld>
+    <p:spTree>
+      <p:nvGrpSpPr>
+        <p:cNvPr id="1" name=""/>
+        <p:cNvGrpSpPr/>
+        <p:nvPr/>
+      </p:nvGrpSpPr>
+      <p:grpSpPr>
+        <a:xfrm>
+          <a:off x="0" y="0"/>
+          <a:ext cx="0" cy="0"/>
+          <a:chOff x="0" y="0"/>
+          <a:chExt cx="0" cy="0"/>
+        </a:xfrm>
+      </p:grpSpPr>
+      <p:pic>
+        <p:nvPicPr>
+          <p:cNvPr id="5" name="図 4">
+            <a:extLst>
+              <a:ext uri="{FF2B5EF4-FFF2-40B4-BE49-F238E27FC236}">
+                <a16:creationId xmlns:a16="http://schemas.microsoft.com/office/drawing/2014/main" id="{604D4A33-DF60-AAAD-50B0-4FF54D909343}"/>
+              </a:ext>
+            </a:extLst>
+          </p:cNvPr>
+          <p:cNvPicPr>
+            <a:picLocks noChangeAspect="1"/>
+          </p:cNvPicPr>
+          <p:nvPr/>
+        </p:nvPicPr>
+        <p:blipFill>
+          <a:blip r:embed="rId2"/>
+          <a:stretch>
+            <a:fillRect/>
+          </a:stretch>
+        </p:blipFill>
+        <p:spPr>
+          <a:xfrm>
+            <a:off x="116198" y="756652"/>
+            <a:ext cx="2048161" cy="1924319"/>
+          </a:xfrm>
+          <a:prstGeom prst="rect">
+            <a:avLst/>
+          </a:prstGeom>
+        </p:spPr>
+      </p:pic>
+      <p:sp>
+        <p:nvSpPr>
+          <p:cNvPr id="7" name="テキスト ボックス 6">
+            <a:extLst>
+              <a:ext uri="{FF2B5EF4-FFF2-40B4-BE49-F238E27FC236}">
+                <a16:creationId xmlns:a16="http://schemas.microsoft.com/office/drawing/2014/main" id="{ED8D9DAC-774D-DAFE-D406-F5CCF9F132B2}"/>
+              </a:ext>
+            </a:extLst>
+          </p:cNvPr>
+          <p:cNvSpPr txBox="1"/>
+          <p:nvPr/>
+        </p:nvSpPr>
+        <p:spPr>
+          <a:xfrm>
+            <a:off x="330149" y="324381"/>
+            <a:ext cx="10169122" cy="369332"/>
+          </a:xfrm>
+          <a:prstGeom prst="rect">
+            <a:avLst/>
+          </a:prstGeom>
+          <a:noFill/>
+        </p:spPr>
+        <p:txBody>
+          <a:bodyPr wrap="square">
+            <a:spAutoFit/>
+          </a:bodyPr>
+          <a:lstStyle/>
+          <a:p>
+            <a:r>
+              <a:rPr lang="ja-JP" altLang="en-US" dirty="0">
+                <a:hlinkClick r:id="rId3"/>
+              </a:rPr>
+              <a:t>https://github.com/Morioka-Yutaka/sas_dataset_json/tree/main</a:t>
+            </a:r>
+            <a:endParaRPr lang="ja-JP" altLang="en-US" dirty="0"/>
+          </a:p>
+        </p:txBody>
+      </p:sp>
+      <p:sp>
+        <p:nvSpPr>
+          <p:cNvPr id="9" name="テキスト ボックス 8">
+            <a:extLst>
+              <a:ext uri="{FF2B5EF4-FFF2-40B4-BE49-F238E27FC236}">
+                <a16:creationId xmlns:a16="http://schemas.microsoft.com/office/drawing/2014/main" id="{3192FF7D-E187-EA5E-DE0D-36379338FC2F}"/>
+              </a:ext>
+            </a:extLst>
+          </p:cNvPr>
+          <p:cNvSpPr txBox="1"/>
+          <p:nvPr/>
+        </p:nvSpPr>
+        <p:spPr>
+          <a:xfrm>
+            <a:off x="2164359" y="1129784"/>
+            <a:ext cx="8228777" cy="1477328"/>
+          </a:xfrm>
+          <a:prstGeom prst="rect">
+            <a:avLst/>
+          </a:prstGeom>
+          <a:noFill/>
+        </p:spPr>
+        <p:txBody>
+          <a:bodyPr wrap="square">
+            <a:spAutoFit/>
+          </a:bodyPr>
+          <a:lstStyle/>
+          <a:p>
+            <a:r>
+              <a:rPr lang="ja-JP" altLang="en-US" dirty="0"/>
+              <a:t>今後は</a:t>
+            </a:r>
+            <a:endParaRPr lang="en-US" altLang="ja-JP" dirty="0"/>
+          </a:p>
+          <a:p>
+            <a:r>
+              <a:rPr lang="ja-JP" altLang="en-US" dirty="0"/>
+              <a:t>・</a:t>
+            </a:r>
+            <a:r>
+              <a:rPr lang="en-US" altLang="ja-JP" dirty="0" err="1"/>
+              <a:t>ndjson</a:t>
+            </a:r>
+            <a:r>
+              <a:rPr lang="ja-JP" altLang="en-US" dirty="0"/>
+              <a:t>形式の読み書きの実装</a:t>
+            </a:r>
+            <a:endParaRPr lang="en-US" altLang="ja-JP" dirty="0"/>
+          </a:p>
+          <a:p>
+            <a:r>
+              <a:rPr lang="ja-JP" altLang="en-US" dirty="0"/>
+              <a:t>・</a:t>
+            </a:r>
+            <a:r>
+              <a:rPr lang="en-US" altLang="ja-JP" dirty="0"/>
+              <a:t>define.xml</a:t>
+            </a:r>
+            <a:r>
+              <a:rPr lang="ja-JP" altLang="en-US" dirty="0"/>
+              <a:t>を読み込んで拡張属性を作る機能の実装</a:t>
+            </a:r>
+            <a:endParaRPr lang="en-US" altLang="ja-JP" dirty="0"/>
+          </a:p>
+          <a:p>
+            <a:r>
+              <a:rPr lang="ja-JP" altLang="en-US" dirty="0"/>
+              <a:t>・</a:t>
+            </a:r>
+            <a:r>
+              <a:rPr lang="en-US" altLang="ja-JP" dirty="0"/>
+              <a:t>dataset-JSON</a:t>
+            </a:r>
+            <a:r>
+              <a:rPr lang="ja-JP" altLang="en-US" dirty="0"/>
+              <a:t>の出来上がりに規格仕様との齟齬がないかのチェック機構</a:t>
+            </a:r>
+            <a:endParaRPr lang="en-US" altLang="ja-JP" dirty="0"/>
+          </a:p>
+          <a:p>
+            <a:r>
+              <a:rPr lang="ja-JP" altLang="en-US" dirty="0"/>
+              <a:t>などを追加していきたい</a:t>
+            </a:r>
+            <a:endParaRPr lang="en-US" altLang="ja-JP" dirty="0"/>
+          </a:p>
+        </p:txBody>
+      </p:sp>
+      <p:sp>
+        <p:nvSpPr>
+          <p:cNvPr id="11" name="テキスト ボックス 10">
+            <a:extLst>
+              <a:ext uri="{FF2B5EF4-FFF2-40B4-BE49-F238E27FC236}">
+                <a16:creationId xmlns:a16="http://schemas.microsoft.com/office/drawing/2014/main" id="{9BD68CC4-B9AF-94F1-5C84-8C695F232036}"/>
+              </a:ext>
+            </a:extLst>
+          </p:cNvPr>
+          <p:cNvSpPr txBox="1"/>
+          <p:nvPr/>
+        </p:nvSpPr>
+        <p:spPr>
+          <a:xfrm>
+            <a:off x="330149" y="3244334"/>
+            <a:ext cx="6094638" cy="369332"/>
+          </a:xfrm>
+          <a:prstGeom prst="rect">
+            <a:avLst/>
+          </a:prstGeom>
+          <a:noFill/>
+        </p:spPr>
+        <p:txBody>
+          <a:bodyPr wrap="square">
+            <a:spAutoFit/>
+          </a:bodyPr>
+          <a:lstStyle/>
+          <a:p>
+            <a:r>
+              <a:rPr lang="ja-JP" altLang="en-US" dirty="0">
+                <a:hlinkClick r:id="rId4"/>
+              </a:rPr>
+              <a:t>https://github.com/Morioka-Yutaka/sashash</a:t>
+            </a:r>
+            <a:endParaRPr lang="ja-JP" altLang="en-US" dirty="0"/>
+          </a:p>
+        </p:txBody>
+      </p:sp>
+      <p:pic>
+        <p:nvPicPr>
+          <p:cNvPr id="13" name="図 12">
+            <a:extLst>
+              <a:ext uri="{FF2B5EF4-FFF2-40B4-BE49-F238E27FC236}">
+                <a16:creationId xmlns:a16="http://schemas.microsoft.com/office/drawing/2014/main" id="{F5358838-1903-93B3-6830-F2BB5D36FE1C}"/>
+              </a:ext>
+            </a:extLst>
+          </p:cNvPr>
+          <p:cNvPicPr>
+            <a:picLocks noChangeAspect="1"/>
+          </p:cNvPicPr>
+          <p:nvPr/>
+        </p:nvPicPr>
+        <p:blipFill>
+          <a:blip r:embed="rId5"/>
+          <a:stretch>
+            <a:fillRect/>
+          </a:stretch>
+        </p:blipFill>
+        <p:spPr>
+          <a:xfrm>
+            <a:off x="330149" y="3796392"/>
+            <a:ext cx="1601840" cy="1641733"/>
+          </a:xfrm>
+          <a:prstGeom prst="rect">
+            <a:avLst/>
+          </a:prstGeom>
+        </p:spPr>
+      </p:pic>
+      <p:sp>
+        <p:nvSpPr>
+          <p:cNvPr id="15" name="テキスト ボックス 14">
+            <a:extLst>
+              <a:ext uri="{FF2B5EF4-FFF2-40B4-BE49-F238E27FC236}">
+                <a16:creationId xmlns:a16="http://schemas.microsoft.com/office/drawing/2014/main" id="{1F6A5BE8-4C32-21F9-5F02-14D08B26F73B}"/>
+              </a:ext>
+            </a:extLst>
+          </p:cNvPr>
+          <p:cNvSpPr txBox="1"/>
+          <p:nvPr/>
+        </p:nvSpPr>
+        <p:spPr>
+          <a:xfrm>
+            <a:off x="2164359" y="3909161"/>
+            <a:ext cx="8424720" cy="646331"/>
+          </a:xfrm>
+          <a:prstGeom prst="rect">
+            <a:avLst/>
+          </a:prstGeom>
+          <a:noFill/>
+        </p:spPr>
+        <p:txBody>
+          <a:bodyPr wrap="square">
+            <a:spAutoFit/>
+          </a:bodyPr>
+          <a:lstStyle/>
+          <a:p>
+            <a:r>
+              <a:rPr lang="ja-JP" altLang="en-US" dirty="0"/>
+              <a:t>作者の別の，パッケージ．</a:t>
+            </a:r>
+            <a:r>
+              <a:rPr lang="en-US" altLang="ja-JP" dirty="0"/>
+              <a:t>SAS</a:t>
+            </a:r>
+            <a:r>
+              <a:rPr lang="ja-JP" altLang="en-US" dirty="0"/>
+              <a:t>でハッシュオブジェクトによる</a:t>
+            </a:r>
+            <a:r>
+              <a:rPr lang="en-US" altLang="ja-JP" dirty="0"/>
+              <a:t>key-data</a:t>
+            </a:r>
+            <a:r>
+              <a:rPr lang="ja-JP" altLang="en-US" dirty="0"/>
+              <a:t>処理を簡易に行える</a:t>
+            </a:r>
+          </a:p>
+        </p:txBody>
+      </p:sp>
+    </p:spTree>
+    <p:extLst>
+      <p:ext uri="{BB962C8B-B14F-4D97-AF65-F5344CB8AC3E}">
+        <p14:creationId xmlns:p14="http://schemas.microsoft.com/office/powerpoint/2010/main" val="2612316486"/>
       </p:ext>
     </p:extLst>
   </p:cSld>
